--- a/slides/04-fpca.pptx
+++ b/slides/04-fpca.pptx
@@ -5,7 +5,7 @@
     <p:sldMasterId id="2147483684" r:id="rId1"/>
   </p:sldMasterIdLst>
   <p:notesMasterIdLst>
-    <p:notesMasterId r:id="rId17"/>
+    <p:notesMasterId r:id="rId18"/>
   </p:notesMasterIdLst>
   <p:sldIdLst>
     <p:sldId id="256" r:id="rId2"/>
@@ -23,6 +23,7 @@
     <p:sldId id="299" r:id="rId14"/>
     <p:sldId id="301" r:id="rId15"/>
     <p:sldId id="302" r:id="rId16"/>
+    <p:sldId id="303" r:id="rId17"/>
   </p:sldIdLst>
   <p:sldSz cx="12192000" cy="6858000"/>
   <p:notesSz cx="6858000" cy="9144000"/>
@@ -211,7 +212,7 @@
           <a:p>
             <a:fld id="{C3BDFCC3-9444-904F-8BDC-F0A1FF6E28DC}" type="datetimeFigureOut">
               <a:rPr lang="en-GB" smtClean="0"/>
-              <a:t>11/07/2024</a:t>
+              <a:t>14/07/2024</a:t>
             </a:fld>
             <a:endParaRPr lang="en-GB"/>
           </a:p>
@@ -861,7 +862,7 @@
           <a:p>
             <a:fld id="{C6CF10CA-94B3-504B-A812-19B0C18E6A91}" type="datetimeFigureOut">
               <a:rPr lang="en-GB" smtClean="0"/>
-              <a:t>11/07/2024</a:t>
+              <a:t>14/07/2024</a:t>
             </a:fld>
             <a:endParaRPr lang="en-GB"/>
           </a:p>
@@ -1031,7 +1032,7 @@
           <a:p>
             <a:fld id="{C6CF10CA-94B3-504B-A812-19B0C18E6A91}" type="datetimeFigureOut">
               <a:rPr lang="en-GB" smtClean="0"/>
-              <a:t>11/07/2024</a:t>
+              <a:t>14/07/2024</a:t>
             </a:fld>
             <a:endParaRPr lang="en-GB"/>
           </a:p>
@@ -1211,7 +1212,7 @@
           <a:p>
             <a:fld id="{C6CF10CA-94B3-504B-A812-19B0C18E6A91}" type="datetimeFigureOut">
               <a:rPr lang="en-GB" smtClean="0"/>
-              <a:t>11/07/2024</a:t>
+              <a:t>14/07/2024</a:t>
             </a:fld>
             <a:endParaRPr lang="en-GB"/>
           </a:p>
@@ -1381,7 +1382,7 @@
           <a:p>
             <a:fld id="{C6CF10CA-94B3-504B-A812-19B0C18E6A91}" type="datetimeFigureOut">
               <a:rPr lang="en-GB" smtClean="0"/>
-              <a:t>11/07/2024</a:t>
+              <a:t>14/07/2024</a:t>
             </a:fld>
             <a:endParaRPr lang="en-GB"/>
           </a:p>
@@ -1627,7 +1628,7 @@
           <a:p>
             <a:fld id="{C6CF10CA-94B3-504B-A812-19B0C18E6A91}" type="datetimeFigureOut">
               <a:rPr lang="en-GB" smtClean="0"/>
-              <a:t>11/07/2024</a:t>
+              <a:t>14/07/2024</a:t>
             </a:fld>
             <a:endParaRPr lang="en-GB"/>
           </a:p>
@@ -1859,7 +1860,7 @@
           <a:p>
             <a:fld id="{C6CF10CA-94B3-504B-A812-19B0C18E6A91}" type="datetimeFigureOut">
               <a:rPr lang="en-GB" smtClean="0"/>
-              <a:t>11/07/2024</a:t>
+              <a:t>14/07/2024</a:t>
             </a:fld>
             <a:endParaRPr lang="en-GB"/>
           </a:p>
@@ -2226,7 +2227,7 @@
           <a:p>
             <a:fld id="{C6CF10CA-94B3-504B-A812-19B0C18E6A91}" type="datetimeFigureOut">
               <a:rPr lang="en-GB" smtClean="0"/>
-              <a:t>11/07/2024</a:t>
+              <a:t>14/07/2024</a:t>
             </a:fld>
             <a:endParaRPr lang="en-GB"/>
           </a:p>
@@ -2344,7 +2345,7 @@
           <a:p>
             <a:fld id="{C6CF10CA-94B3-504B-A812-19B0C18E6A91}" type="datetimeFigureOut">
               <a:rPr lang="en-GB" smtClean="0"/>
-              <a:t>11/07/2024</a:t>
+              <a:t>14/07/2024</a:t>
             </a:fld>
             <a:endParaRPr lang="en-GB"/>
           </a:p>
@@ -2439,7 +2440,7 @@
           <a:p>
             <a:fld id="{C6CF10CA-94B3-504B-A812-19B0C18E6A91}" type="datetimeFigureOut">
               <a:rPr lang="en-GB" smtClean="0"/>
-              <a:t>11/07/2024</a:t>
+              <a:t>14/07/2024</a:t>
             </a:fld>
             <a:endParaRPr lang="en-GB"/>
           </a:p>
@@ -2716,7 +2717,7 @@
           <a:p>
             <a:fld id="{C6CF10CA-94B3-504B-A812-19B0C18E6A91}" type="datetimeFigureOut">
               <a:rPr lang="en-GB" smtClean="0"/>
-              <a:t>11/07/2024</a:t>
+              <a:t>14/07/2024</a:t>
             </a:fld>
             <a:endParaRPr lang="en-GB"/>
           </a:p>
@@ -2973,7 +2974,7 @@
           <a:p>
             <a:fld id="{C6CF10CA-94B3-504B-A812-19B0C18E6A91}" type="datetimeFigureOut">
               <a:rPr lang="en-GB" smtClean="0"/>
-              <a:t>11/07/2024</a:t>
+              <a:t>14/07/2024</a:t>
             </a:fld>
             <a:endParaRPr lang="en-GB"/>
           </a:p>
@@ -3186,7 +3187,7 @@
           <a:p>
             <a:fld id="{C6CF10CA-94B3-504B-A812-19B0C18E6A91}" type="datetimeFigureOut">
               <a:rPr lang="en-GB" smtClean="0"/>
-              <a:t>11/07/2024</a:t>
+              <a:t>14/07/2024</a:t>
             </a:fld>
             <a:endParaRPr lang="en-GB"/>
           </a:p>
@@ -18583,7 +18584,7 @@
                 </a:r>
                 <a:r>
                   <a:rPr lang="en-GB" dirty="0"/>
-                  <a:t>tool for functional data</a:t>
+                  <a:t>tool for functional data.</a:t>
                 </a:r>
               </a:p>
               <a:p>
@@ -18724,6 +18725,468 @@
   <p:clrMapOvr>
     <a:masterClrMapping/>
   </p:clrMapOvr>
+  <p:timing>
+    <p:tnLst>
+      <p:par>
+        <p:cTn id="1" dur="indefinite" restart="never" nodeType="tmRoot">
+          <p:childTnLst>
+            <p:seq concurrent="1" nextAc="seek">
+              <p:cTn id="2" dur="indefinite" nodeType="mainSeq">
+                <p:childTnLst>
+                  <p:par>
+                    <p:cTn id="3" fill="hold">
+                      <p:stCondLst>
+                        <p:cond delay="indefinite"/>
+                      </p:stCondLst>
+                      <p:childTnLst>
+                        <p:par>
+                          <p:cTn id="4" fill="hold">
+                            <p:stCondLst>
+                              <p:cond delay="0"/>
+                            </p:stCondLst>
+                            <p:childTnLst>
+                              <p:par>
+                                <p:cTn id="5" presetID="1" presetClass="entr" presetSubtype="0" fill="hold" nodeType="clickEffect">
+                                  <p:stCondLst>
+                                    <p:cond delay="0"/>
+                                  </p:stCondLst>
+                                  <p:childTnLst>
+                                    <p:set>
+                                      <p:cBhvr>
+                                        <p:cTn id="6" dur="1" fill="hold">
+                                          <p:stCondLst>
+                                            <p:cond delay="0"/>
+                                          </p:stCondLst>
+                                        </p:cTn>
+                                        <p:tgtEl>
+                                          <p:spTgt spid="3">
+                                            <p:txEl>
+                                              <p:pRg st="0" end="0"/>
+                                            </p:txEl>
+                                          </p:spTgt>
+                                        </p:tgtEl>
+                                        <p:attrNameLst>
+                                          <p:attrName>style.visibility</p:attrName>
+                                        </p:attrNameLst>
+                                      </p:cBhvr>
+                                      <p:to>
+                                        <p:strVal val="visible"/>
+                                      </p:to>
+                                    </p:set>
+                                  </p:childTnLst>
+                                </p:cTn>
+                              </p:par>
+                            </p:childTnLst>
+                          </p:cTn>
+                        </p:par>
+                      </p:childTnLst>
+                    </p:cTn>
+                  </p:par>
+                  <p:par>
+                    <p:cTn id="7" fill="hold">
+                      <p:stCondLst>
+                        <p:cond delay="indefinite"/>
+                      </p:stCondLst>
+                      <p:childTnLst>
+                        <p:par>
+                          <p:cTn id="8" fill="hold">
+                            <p:stCondLst>
+                              <p:cond delay="0"/>
+                            </p:stCondLst>
+                            <p:childTnLst>
+                              <p:par>
+                                <p:cTn id="9" presetID="1" presetClass="entr" presetSubtype="0" fill="hold" nodeType="clickEffect">
+                                  <p:stCondLst>
+                                    <p:cond delay="0"/>
+                                  </p:stCondLst>
+                                  <p:childTnLst>
+                                    <p:set>
+                                      <p:cBhvr>
+                                        <p:cTn id="10" dur="1" fill="hold">
+                                          <p:stCondLst>
+                                            <p:cond delay="0"/>
+                                          </p:stCondLst>
+                                        </p:cTn>
+                                        <p:tgtEl>
+                                          <p:spTgt spid="3">
+                                            <p:txEl>
+                                              <p:pRg st="1" end="1"/>
+                                            </p:txEl>
+                                          </p:spTgt>
+                                        </p:tgtEl>
+                                        <p:attrNameLst>
+                                          <p:attrName>style.visibility</p:attrName>
+                                        </p:attrNameLst>
+                                      </p:cBhvr>
+                                      <p:to>
+                                        <p:strVal val="visible"/>
+                                      </p:to>
+                                    </p:set>
+                                  </p:childTnLst>
+                                </p:cTn>
+                              </p:par>
+                            </p:childTnLst>
+                          </p:cTn>
+                        </p:par>
+                      </p:childTnLst>
+                    </p:cTn>
+                  </p:par>
+                  <p:par>
+                    <p:cTn id="11" fill="hold">
+                      <p:stCondLst>
+                        <p:cond delay="indefinite"/>
+                      </p:stCondLst>
+                      <p:childTnLst>
+                        <p:par>
+                          <p:cTn id="12" fill="hold">
+                            <p:stCondLst>
+                              <p:cond delay="0"/>
+                            </p:stCondLst>
+                            <p:childTnLst>
+                              <p:par>
+                                <p:cTn id="13" presetID="1" presetClass="entr" presetSubtype="0" fill="hold" nodeType="clickEffect">
+                                  <p:stCondLst>
+                                    <p:cond delay="0"/>
+                                  </p:stCondLst>
+                                  <p:childTnLst>
+                                    <p:set>
+                                      <p:cBhvr>
+                                        <p:cTn id="14" dur="1" fill="hold">
+                                          <p:stCondLst>
+                                            <p:cond delay="0"/>
+                                          </p:stCondLst>
+                                        </p:cTn>
+                                        <p:tgtEl>
+                                          <p:spTgt spid="3">
+                                            <p:txEl>
+                                              <p:pRg st="2" end="2"/>
+                                            </p:txEl>
+                                          </p:spTgt>
+                                        </p:tgtEl>
+                                        <p:attrNameLst>
+                                          <p:attrName>style.visibility</p:attrName>
+                                        </p:attrNameLst>
+                                      </p:cBhvr>
+                                      <p:to>
+                                        <p:strVal val="visible"/>
+                                      </p:to>
+                                    </p:set>
+                                  </p:childTnLst>
+                                </p:cTn>
+                              </p:par>
+                            </p:childTnLst>
+                          </p:cTn>
+                        </p:par>
+                      </p:childTnLst>
+                    </p:cTn>
+                  </p:par>
+                  <p:par>
+                    <p:cTn id="15" fill="hold">
+                      <p:stCondLst>
+                        <p:cond delay="indefinite"/>
+                      </p:stCondLst>
+                      <p:childTnLst>
+                        <p:par>
+                          <p:cTn id="16" fill="hold">
+                            <p:stCondLst>
+                              <p:cond delay="0"/>
+                            </p:stCondLst>
+                            <p:childTnLst>
+                              <p:par>
+                                <p:cTn id="17" presetID="1" presetClass="entr" presetSubtype="0" fill="hold" nodeType="clickEffect">
+                                  <p:stCondLst>
+                                    <p:cond delay="0"/>
+                                  </p:stCondLst>
+                                  <p:childTnLst>
+                                    <p:set>
+                                      <p:cBhvr>
+                                        <p:cTn id="18" dur="1" fill="hold">
+                                          <p:stCondLst>
+                                            <p:cond delay="0"/>
+                                          </p:stCondLst>
+                                        </p:cTn>
+                                        <p:tgtEl>
+                                          <p:spTgt spid="3">
+                                            <p:txEl>
+                                              <p:pRg st="3" end="3"/>
+                                            </p:txEl>
+                                          </p:spTgt>
+                                        </p:tgtEl>
+                                        <p:attrNameLst>
+                                          <p:attrName>style.visibility</p:attrName>
+                                        </p:attrNameLst>
+                                      </p:cBhvr>
+                                      <p:to>
+                                        <p:strVal val="visible"/>
+                                      </p:to>
+                                    </p:set>
+                                  </p:childTnLst>
+                                </p:cTn>
+                              </p:par>
+                            </p:childTnLst>
+                          </p:cTn>
+                        </p:par>
+                      </p:childTnLst>
+                    </p:cTn>
+                  </p:par>
+                  <p:par>
+                    <p:cTn id="19" fill="hold">
+                      <p:stCondLst>
+                        <p:cond delay="indefinite"/>
+                      </p:stCondLst>
+                      <p:childTnLst>
+                        <p:par>
+                          <p:cTn id="20" fill="hold">
+                            <p:stCondLst>
+                              <p:cond delay="0"/>
+                            </p:stCondLst>
+                            <p:childTnLst>
+                              <p:par>
+                                <p:cTn id="21" presetID="1" presetClass="entr" presetSubtype="0" fill="hold" nodeType="clickEffect">
+                                  <p:stCondLst>
+                                    <p:cond delay="0"/>
+                                  </p:stCondLst>
+                                  <p:childTnLst>
+                                    <p:set>
+                                      <p:cBhvr>
+                                        <p:cTn id="22" dur="1" fill="hold">
+                                          <p:stCondLst>
+                                            <p:cond delay="0"/>
+                                          </p:stCondLst>
+                                        </p:cTn>
+                                        <p:tgtEl>
+                                          <p:spTgt spid="3">
+                                            <p:txEl>
+                                              <p:pRg st="4" end="4"/>
+                                            </p:txEl>
+                                          </p:spTgt>
+                                        </p:tgtEl>
+                                        <p:attrNameLst>
+                                          <p:attrName>style.visibility</p:attrName>
+                                        </p:attrNameLst>
+                                      </p:cBhvr>
+                                      <p:to>
+                                        <p:strVal val="visible"/>
+                                      </p:to>
+                                    </p:set>
+                                  </p:childTnLst>
+                                </p:cTn>
+                              </p:par>
+                            </p:childTnLst>
+                          </p:cTn>
+                        </p:par>
+                      </p:childTnLst>
+                    </p:cTn>
+                  </p:par>
+                </p:childTnLst>
+              </p:cTn>
+              <p:prevCondLst>
+                <p:cond evt="onPrev" delay="0">
+                  <p:tgtEl>
+                    <p:sldTgt/>
+                  </p:tgtEl>
+                </p:cond>
+              </p:prevCondLst>
+              <p:nextCondLst>
+                <p:cond evt="onNext" delay="0">
+                  <p:tgtEl>
+                    <p:sldTgt/>
+                  </p:tgtEl>
+                </p:cond>
+              </p:nextCondLst>
+            </p:seq>
+          </p:childTnLst>
+        </p:cTn>
+      </p:par>
+    </p:tnLst>
+  </p:timing>
+</p:sld>
+</file>
+
+<file path=ppt/slides/slide16.xml><?xml version="1.0" encoding="utf-8"?>
+<p:sld xmlns:a="http://schemas.openxmlformats.org/drawingml/2006/main" xmlns:r="http://schemas.openxmlformats.org/officeDocument/2006/relationships" xmlns:p="http://schemas.openxmlformats.org/presentationml/2006/main">
+  <p:cSld>
+    <p:spTree>
+      <p:nvGrpSpPr>
+        <p:cNvPr id="1" name=""/>
+        <p:cNvGrpSpPr/>
+        <p:nvPr/>
+      </p:nvGrpSpPr>
+      <p:grpSpPr>
+        <a:xfrm>
+          <a:off x="0" y="0"/>
+          <a:ext cx="0" cy="0"/>
+          <a:chOff x="0" y="0"/>
+          <a:chExt cx="0" cy="0"/>
+        </a:xfrm>
+      </p:grpSpPr>
+      <p:sp>
+        <p:nvSpPr>
+          <p:cNvPr id="2" name="Title 1">
+            <a:extLst>
+              <a:ext uri="{FF2B5EF4-FFF2-40B4-BE49-F238E27FC236}">
+                <a16:creationId xmlns:a16="http://schemas.microsoft.com/office/drawing/2014/main" id="{B0EE9760-0AFF-5ECE-6C11-2EA6FC6ECD9B}"/>
+              </a:ext>
+            </a:extLst>
+          </p:cNvPr>
+          <p:cNvSpPr>
+            <a:spLocks noGrp="1"/>
+          </p:cNvSpPr>
+          <p:nvPr>
+            <p:ph type="title"/>
+          </p:nvPr>
+        </p:nvSpPr>
+        <p:spPr/>
+        <p:txBody>
+          <a:bodyPr/>
+          <a:lstStyle/>
+          <a:p>
+            <a:r>
+              <a:rPr lang="en-GB" dirty="0"/>
+              <a:t>References</a:t>
+            </a:r>
+          </a:p>
+        </p:txBody>
+      </p:sp>
+      <p:sp>
+        <p:nvSpPr>
+          <p:cNvPr id="3" name="Content Placeholder 2">
+            <a:extLst>
+              <a:ext uri="{FF2B5EF4-FFF2-40B4-BE49-F238E27FC236}">
+                <a16:creationId xmlns:a16="http://schemas.microsoft.com/office/drawing/2014/main" id="{3B88696F-6B14-602B-5517-AB4420EBDF0E}"/>
+              </a:ext>
+            </a:extLst>
+          </p:cNvPr>
+          <p:cNvSpPr>
+            <a:spLocks noGrp="1"/>
+          </p:cNvSpPr>
+          <p:nvPr>
+            <p:ph idx="1"/>
+          </p:nvPr>
+        </p:nvSpPr>
+        <p:spPr/>
+        <p:txBody>
+          <a:bodyPr/>
+          <a:lstStyle/>
+          <a:p>
+            <a:r>
+              <a:rPr lang="en-GB" b="1" dirty="0"/>
+              <a:t>Chapter 7 of </a:t>
+            </a:r>
+            <a:r>
+              <a:rPr lang="en-IE" dirty="0">
+                <a:effectLst/>
+              </a:rPr>
+              <a:t>Ramsay, J. O., Hooker, G., &amp; Graves, S. (2009). </a:t>
+            </a:r>
+            <a:r>
+              <a:rPr lang="en-IE" i="1" dirty="0">
+                <a:effectLst/>
+              </a:rPr>
+              <a:t>Functional Data Analysis with R and MATLAB</a:t>
+            </a:r>
+            <a:r>
+              <a:rPr lang="en-IE" dirty="0">
+                <a:effectLst/>
+              </a:rPr>
+              <a:t>. Springer-Verlag. </a:t>
+            </a:r>
+            <a:r>
+              <a:rPr lang="en-IE" dirty="0">
+                <a:effectLst/>
+                <a:hlinkClick r:id="rId2"/>
+              </a:rPr>
+              <a:t>https://doi.org/10.1007/978-0-387-98185-7</a:t>
+            </a:r>
+            <a:endParaRPr lang="en-IE" dirty="0">
+              <a:effectLst/>
+            </a:endParaRPr>
+          </a:p>
+          <a:p>
+            <a:r>
+              <a:rPr lang="en-GB" b="1" dirty="0"/>
+              <a:t>Chapters 8 and 9 </a:t>
+            </a:r>
+            <a:r>
+              <a:rPr lang="en-GB" dirty="0"/>
+              <a:t>of </a:t>
+            </a:r>
+            <a:r>
+              <a:rPr lang="en-IE" dirty="0">
+                <a:effectLst/>
+              </a:rPr>
+              <a:t>Ramsay, J. O., &amp; Silverman, B. W. (2005). </a:t>
+            </a:r>
+            <a:r>
+              <a:rPr lang="en-IE" i="1" dirty="0">
+                <a:effectLst/>
+              </a:rPr>
+              <a:t>Functional Data Analysis</a:t>
+            </a:r>
+            <a:r>
+              <a:rPr lang="en-IE" dirty="0">
+                <a:effectLst/>
+              </a:rPr>
+              <a:t> (2nd ed.). Springer-Verlag. </a:t>
+            </a:r>
+            <a:r>
+              <a:rPr lang="en-IE" dirty="0">
+                <a:effectLst/>
+                <a:hlinkClick r:id="rId3"/>
+              </a:rPr>
+              <a:t>https://doi.org/10.1007/b98888</a:t>
+            </a:r>
+            <a:endParaRPr lang="en-IE" dirty="0">
+              <a:effectLst/>
+            </a:endParaRPr>
+          </a:p>
+          <a:p>
+            <a:r>
+              <a:rPr lang="en-IE" dirty="0">
+                <a:effectLst/>
+              </a:rPr>
+              <a:t>Rice, J. A., &amp; Silverman, B. W. (1991). Estimating the Mean and Covariance Structure Nonparametrically When the Data are Curves. </a:t>
+            </a:r>
+            <a:r>
+              <a:rPr lang="en-IE" i="1" dirty="0">
+                <a:effectLst/>
+              </a:rPr>
+              <a:t>Journal of the Royal Statistical Society. Series B (Methodological)</a:t>
+            </a:r>
+            <a:r>
+              <a:rPr lang="en-IE" dirty="0">
+                <a:effectLst/>
+              </a:rPr>
+              <a:t>, </a:t>
+            </a:r>
+            <a:r>
+              <a:rPr lang="en-IE" i="1" dirty="0">
+                <a:effectLst/>
+              </a:rPr>
+              <a:t>53</a:t>
+            </a:r>
+            <a:r>
+              <a:rPr lang="en-IE" dirty="0">
+                <a:effectLst/>
+              </a:rPr>
+              <a:t>(1), 233–243. JSTOR.</a:t>
+            </a:r>
+          </a:p>
+          <a:p>
+            <a:endParaRPr lang="en-GB" b="1" dirty="0"/>
+          </a:p>
+        </p:txBody>
+      </p:sp>
+    </p:spTree>
+    <p:extLst>
+      <p:ext uri="{BB962C8B-B14F-4D97-AF65-F5344CB8AC3E}">
+        <p14:creationId xmlns:p14="http://schemas.microsoft.com/office/powerpoint/2010/main" val="830507632"/>
+      </p:ext>
+    </p:extLst>
+  </p:cSld>
+  <p:clrMapOvr>
+    <a:masterClrMapping/>
+  </p:clrMapOvr>
 </p:sld>
 </file>
 
@@ -18744,6 +19207,62 @@
           <a:chExt cx="0" cy="0"/>
         </a:xfrm>
       </p:grpSpPr>
+      <p:sp>
+        <p:nvSpPr>
+          <p:cNvPr id="4" name="Rectangle 3">
+            <a:extLst>
+              <a:ext uri="{FF2B5EF4-FFF2-40B4-BE49-F238E27FC236}">
+                <a16:creationId xmlns:a16="http://schemas.microsoft.com/office/drawing/2014/main" id="{EDB809B0-2C7D-11F5-D2D3-78C9ED39071C}"/>
+              </a:ext>
+            </a:extLst>
+          </p:cNvPr>
+          <p:cNvSpPr/>
+          <p:nvPr/>
+        </p:nvSpPr>
+        <p:spPr>
+          <a:xfrm>
+            <a:off x="838200" y="5130800"/>
+            <a:ext cx="10325100" cy="838200"/>
+          </a:xfrm>
+          <a:prstGeom prst="rect">
+            <a:avLst/>
+          </a:prstGeom>
+          <a:solidFill>
+            <a:srgbClr val="FFC000">
+              <a:alpha val="88151"/>
+            </a:srgbClr>
+          </a:solidFill>
+          <a:ln w="38100">
+            <a:solidFill>
+              <a:schemeClr val="tx1"/>
+            </a:solidFill>
+          </a:ln>
+        </p:spPr>
+        <p:style>
+          <a:lnRef idx="2">
+            <a:schemeClr val="accent1">
+              <a:shade val="15000"/>
+            </a:schemeClr>
+          </a:lnRef>
+          <a:fillRef idx="1">
+            <a:schemeClr val="accent1"/>
+          </a:fillRef>
+          <a:effectRef idx="0">
+            <a:schemeClr val="accent1"/>
+          </a:effectRef>
+          <a:fontRef idx="minor">
+            <a:schemeClr val="lt1"/>
+          </a:fontRef>
+        </p:style>
+        <p:txBody>
+          <a:bodyPr rtlCol="0" anchor="ctr"/>
+          <a:lstStyle/>
+          <a:p>
+            <a:pPr algn="ctr"/>
+            <a:endParaRPr lang="en-GB"/>
+          </a:p>
+        </p:txBody>
+      </p:sp>
       <p:sp>
         <p:nvSpPr>
           <p:cNvPr id="2" name="Title 1">
@@ -18820,7 +19339,7 @@
                 </a14:m>
                 <a:r>
                   <a:rPr lang="en-GB" dirty="0"/>
-                  <a:t> loses functional nature, typically many points to summarise</a:t>
+                  <a:t> loses functional nature, typically many points to summarise.</a:t>
                 </a:r>
               </a:p>
               <a:p>
@@ -18841,7 +19360,7 @@
                 </a14:m>
                 <a:r>
                   <a:rPr lang="en-GB" dirty="0"/>
-                  <a:t> for, e.g., splines, typically have too many coefficients to concisely summarise/ coefficients don’t have meaning</a:t>
+                  <a:t> for, e.g., splines, typically have too many coefficients to concisely summarise/ coefficients don’t have meaning.</a:t>
                 </a:r>
               </a:p>
               <a:p>
@@ -19056,6 +19575,360 @@
   <p:clrMapOvr>
     <a:masterClrMapping/>
   </p:clrMapOvr>
+  <p:timing>
+    <p:tnLst>
+      <p:par>
+        <p:cTn id="1" dur="indefinite" restart="never" nodeType="tmRoot">
+          <p:childTnLst>
+            <p:seq concurrent="1" nextAc="seek">
+              <p:cTn id="2" dur="indefinite" nodeType="mainSeq">
+                <p:childTnLst>
+                  <p:par>
+                    <p:cTn id="3" fill="hold">
+                      <p:stCondLst>
+                        <p:cond delay="indefinite"/>
+                      </p:stCondLst>
+                      <p:childTnLst>
+                        <p:par>
+                          <p:cTn id="4" fill="hold">
+                            <p:stCondLst>
+                              <p:cond delay="0"/>
+                            </p:stCondLst>
+                            <p:childTnLst>
+                              <p:par>
+                                <p:cTn id="5" presetID="1" presetClass="entr" presetSubtype="0" fill="hold" nodeType="clickEffect">
+                                  <p:stCondLst>
+                                    <p:cond delay="0"/>
+                                  </p:stCondLst>
+                                  <p:childTnLst>
+                                    <p:set>
+                                      <p:cBhvr>
+                                        <p:cTn id="6" dur="1" fill="hold">
+                                          <p:stCondLst>
+                                            <p:cond delay="0"/>
+                                          </p:stCondLst>
+                                        </p:cTn>
+                                        <p:tgtEl>
+                                          <p:spTgt spid="3">
+                                            <p:txEl>
+                                              <p:pRg st="0" end="0"/>
+                                            </p:txEl>
+                                          </p:spTgt>
+                                        </p:tgtEl>
+                                        <p:attrNameLst>
+                                          <p:attrName>style.visibility</p:attrName>
+                                        </p:attrNameLst>
+                                      </p:cBhvr>
+                                      <p:to>
+                                        <p:strVal val="visible"/>
+                                      </p:to>
+                                    </p:set>
+                                  </p:childTnLst>
+                                </p:cTn>
+                              </p:par>
+                            </p:childTnLst>
+                          </p:cTn>
+                        </p:par>
+                      </p:childTnLst>
+                    </p:cTn>
+                  </p:par>
+                  <p:par>
+                    <p:cTn id="7" fill="hold">
+                      <p:stCondLst>
+                        <p:cond delay="indefinite"/>
+                      </p:stCondLst>
+                      <p:childTnLst>
+                        <p:par>
+                          <p:cTn id="8" fill="hold">
+                            <p:stCondLst>
+                              <p:cond delay="0"/>
+                            </p:stCondLst>
+                            <p:childTnLst>
+                              <p:par>
+                                <p:cTn id="9" presetID="1" presetClass="entr" presetSubtype="0" fill="hold" nodeType="clickEffect">
+                                  <p:stCondLst>
+                                    <p:cond delay="0"/>
+                                  </p:stCondLst>
+                                  <p:childTnLst>
+                                    <p:set>
+                                      <p:cBhvr>
+                                        <p:cTn id="10" dur="1" fill="hold">
+                                          <p:stCondLst>
+                                            <p:cond delay="0"/>
+                                          </p:stCondLst>
+                                        </p:cTn>
+                                        <p:tgtEl>
+                                          <p:spTgt spid="3">
+                                            <p:txEl>
+                                              <p:pRg st="1" end="1"/>
+                                            </p:txEl>
+                                          </p:spTgt>
+                                        </p:tgtEl>
+                                        <p:attrNameLst>
+                                          <p:attrName>style.visibility</p:attrName>
+                                        </p:attrNameLst>
+                                      </p:cBhvr>
+                                      <p:to>
+                                        <p:strVal val="visible"/>
+                                      </p:to>
+                                    </p:set>
+                                  </p:childTnLst>
+                                </p:cTn>
+                              </p:par>
+                            </p:childTnLst>
+                          </p:cTn>
+                        </p:par>
+                      </p:childTnLst>
+                    </p:cTn>
+                  </p:par>
+                  <p:par>
+                    <p:cTn id="11" fill="hold">
+                      <p:stCondLst>
+                        <p:cond delay="indefinite"/>
+                      </p:stCondLst>
+                      <p:childTnLst>
+                        <p:par>
+                          <p:cTn id="12" fill="hold">
+                            <p:stCondLst>
+                              <p:cond delay="0"/>
+                            </p:stCondLst>
+                            <p:childTnLst>
+                              <p:par>
+                                <p:cTn id="13" presetID="1" presetClass="entr" presetSubtype="0" fill="hold" nodeType="clickEffect">
+                                  <p:stCondLst>
+                                    <p:cond delay="0"/>
+                                  </p:stCondLst>
+                                  <p:childTnLst>
+                                    <p:set>
+                                      <p:cBhvr>
+                                        <p:cTn id="14" dur="1" fill="hold">
+                                          <p:stCondLst>
+                                            <p:cond delay="0"/>
+                                          </p:stCondLst>
+                                        </p:cTn>
+                                        <p:tgtEl>
+                                          <p:spTgt spid="3">
+                                            <p:txEl>
+                                              <p:pRg st="2" end="2"/>
+                                            </p:txEl>
+                                          </p:spTgt>
+                                        </p:tgtEl>
+                                        <p:attrNameLst>
+                                          <p:attrName>style.visibility</p:attrName>
+                                        </p:attrNameLst>
+                                      </p:cBhvr>
+                                      <p:to>
+                                        <p:strVal val="visible"/>
+                                      </p:to>
+                                    </p:set>
+                                  </p:childTnLst>
+                                </p:cTn>
+                              </p:par>
+                            </p:childTnLst>
+                          </p:cTn>
+                        </p:par>
+                      </p:childTnLst>
+                    </p:cTn>
+                  </p:par>
+                  <p:par>
+                    <p:cTn id="15" fill="hold">
+                      <p:stCondLst>
+                        <p:cond delay="indefinite"/>
+                      </p:stCondLst>
+                      <p:childTnLst>
+                        <p:par>
+                          <p:cTn id="16" fill="hold">
+                            <p:stCondLst>
+                              <p:cond delay="0"/>
+                            </p:stCondLst>
+                            <p:childTnLst>
+                              <p:par>
+                                <p:cTn id="17" presetID="1" presetClass="entr" presetSubtype="0" fill="hold" nodeType="clickEffect">
+                                  <p:stCondLst>
+                                    <p:cond delay="0"/>
+                                  </p:stCondLst>
+                                  <p:childTnLst>
+                                    <p:set>
+                                      <p:cBhvr>
+                                        <p:cTn id="18" dur="1" fill="hold">
+                                          <p:stCondLst>
+                                            <p:cond delay="0"/>
+                                          </p:stCondLst>
+                                        </p:cTn>
+                                        <p:tgtEl>
+                                          <p:spTgt spid="3">
+                                            <p:txEl>
+                                              <p:pRg st="3" end="3"/>
+                                            </p:txEl>
+                                          </p:spTgt>
+                                        </p:tgtEl>
+                                        <p:attrNameLst>
+                                          <p:attrName>style.visibility</p:attrName>
+                                        </p:attrNameLst>
+                                      </p:cBhvr>
+                                      <p:to>
+                                        <p:strVal val="visible"/>
+                                      </p:to>
+                                    </p:set>
+                                  </p:childTnLst>
+                                </p:cTn>
+                              </p:par>
+                            </p:childTnLst>
+                          </p:cTn>
+                        </p:par>
+                      </p:childTnLst>
+                    </p:cTn>
+                  </p:par>
+                  <p:par>
+                    <p:cTn id="19" fill="hold">
+                      <p:stCondLst>
+                        <p:cond delay="indefinite"/>
+                      </p:stCondLst>
+                      <p:childTnLst>
+                        <p:par>
+                          <p:cTn id="20" fill="hold">
+                            <p:stCondLst>
+                              <p:cond delay="0"/>
+                            </p:stCondLst>
+                            <p:childTnLst>
+                              <p:par>
+                                <p:cTn id="21" presetID="1" presetClass="entr" presetSubtype="0" fill="hold" nodeType="clickEffect">
+                                  <p:stCondLst>
+                                    <p:cond delay="0"/>
+                                  </p:stCondLst>
+                                  <p:childTnLst>
+                                    <p:set>
+                                      <p:cBhvr>
+                                        <p:cTn id="22" dur="1" fill="hold">
+                                          <p:stCondLst>
+                                            <p:cond delay="0"/>
+                                          </p:stCondLst>
+                                        </p:cTn>
+                                        <p:tgtEl>
+                                          <p:spTgt spid="3">
+                                            <p:txEl>
+                                              <p:pRg st="4" end="4"/>
+                                            </p:txEl>
+                                          </p:spTgt>
+                                        </p:tgtEl>
+                                        <p:attrNameLst>
+                                          <p:attrName>style.visibility</p:attrName>
+                                        </p:attrNameLst>
+                                      </p:cBhvr>
+                                      <p:to>
+                                        <p:strVal val="visible"/>
+                                      </p:to>
+                                    </p:set>
+                                  </p:childTnLst>
+                                </p:cTn>
+                              </p:par>
+                            </p:childTnLst>
+                          </p:cTn>
+                        </p:par>
+                      </p:childTnLst>
+                    </p:cTn>
+                  </p:par>
+                  <p:par>
+                    <p:cTn id="23" fill="hold">
+                      <p:stCondLst>
+                        <p:cond delay="indefinite"/>
+                      </p:stCondLst>
+                      <p:childTnLst>
+                        <p:par>
+                          <p:cTn id="24" fill="hold">
+                            <p:stCondLst>
+                              <p:cond delay="0"/>
+                            </p:stCondLst>
+                            <p:childTnLst>
+                              <p:par>
+                                <p:cTn id="25" presetID="1" presetClass="entr" presetSubtype="0" fill="hold" grpId="0" nodeType="clickEffect">
+                                  <p:stCondLst>
+                                    <p:cond delay="0"/>
+                                  </p:stCondLst>
+                                  <p:childTnLst>
+                                    <p:set>
+                                      <p:cBhvr>
+                                        <p:cTn id="26" dur="1" fill="hold">
+                                          <p:stCondLst>
+                                            <p:cond delay="0"/>
+                                          </p:stCondLst>
+                                        </p:cTn>
+                                        <p:tgtEl>
+                                          <p:spTgt spid="4"/>
+                                        </p:tgtEl>
+                                        <p:attrNameLst>
+                                          <p:attrName>style.visibility</p:attrName>
+                                        </p:attrNameLst>
+                                      </p:cBhvr>
+                                      <p:to>
+                                        <p:strVal val="visible"/>
+                                      </p:to>
+                                    </p:set>
+                                  </p:childTnLst>
+                                </p:cTn>
+                              </p:par>
+                              <p:par>
+                                <p:cTn id="27" presetID="1" presetClass="entr" presetSubtype="0" fill="hold" nodeType="withEffect">
+                                  <p:stCondLst>
+                                    <p:cond delay="0"/>
+                                  </p:stCondLst>
+                                  <p:childTnLst>
+                                    <p:set>
+                                      <p:cBhvr>
+                                        <p:cTn id="28" dur="1" fill="hold">
+                                          <p:stCondLst>
+                                            <p:cond delay="0"/>
+                                          </p:stCondLst>
+                                        </p:cTn>
+                                        <p:tgtEl>
+                                          <p:spTgt spid="3">
+                                            <p:txEl>
+                                              <p:pRg st="6" end="6"/>
+                                            </p:txEl>
+                                          </p:spTgt>
+                                        </p:tgtEl>
+                                        <p:attrNameLst>
+                                          <p:attrName>style.visibility</p:attrName>
+                                        </p:attrNameLst>
+                                      </p:cBhvr>
+                                      <p:to>
+                                        <p:strVal val="visible"/>
+                                      </p:to>
+                                    </p:set>
+                                  </p:childTnLst>
+                                </p:cTn>
+                              </p:par>
+                            </p:childTnLst>
+                          </p:cTn>
+                        </p:par>
+                      </p:childTnLst>
+                    </p:cTn>
+                  </p:par>
+                </p:childTnLst>
+              </p:cTn>
+              <p:prevCondLst>
+                <p:cond evt="onPrev" delay="0">
+                  <p:tgtEl>
+                    <p:sldTgt/>
+                  </p:tgtEl>
+                </p:cond>
+              </p:prevCondLst>
+              <p:nextCondLst>
+                <p:cond evt="onNext" delay="0">
+                  <p:tgtEl>
+                    <p:sldTgt/>
+                  </p:tgtEl>
+                </p:cond>
+              </p:nextCondLst>
+            </p:seq>
+          </p:childTnLst>
+        </p:cTn>
+      </p:par>
+    </p:tnLst>
+    <p:bldLst>
+      <p:bldP spid="4" grpId="0" animBg="1"/>
+    </p:bldLst>
+  </p:timing>
 </p:sld>
 </file>
 
@@ -19129,7 +20002,7 @@
               <a:p>
                 <a:r>
                   <a:rPr lang="en-GB" dirty="0"/>
-                  <a:t>The most popular tool in FDA</a:t>
+                  <a:t>The most popular tool in FDA.</a:t>
                 </a:r>
               </a:p>
               <a:p>
@@ -19241,7 +20114,11 @@
                 <a:pPr lvl="1"/>
                 <a:r>
                   <a:rPr lang="en-GB" dirty="0"/>
-                  <a:t>The basis functions </a:t>
+                  <a:t>The </a:t>
+                </a:r>
+                <a:r>
+                  <a:rPr lang="en-GB" b="1" dirty="0"/>
+                  <a:t>basis functions </a:t>
                 </a:r>
                 <a14:m>
                   <m:oMath xmlns:m="http://schemas.openxmlformats.org/officeDocument/2006/math">
@@ -19340,14 +20217,26 @@
                 </a14:m>
                 <a:r>
                   <a:rPr lang="en-GB" dirty="0"/>
-                  <a:t> are called the functional principal components (FPCs).</a:t>
+                  <a:t> are called the </a:t>
+                </a:r>
+                <a:r>
+                  <a:rPr lang="en-GB" b="1" dirty="0"/>
+                  <a:t>functional principal components (FPCs)</a:t>
+                </a:r>
+                <a:r>
+                  <a:rPr lang="en-GB" dirty="0"/>
+                  <a:t>.</a:t>
                 </a:r>
               </a:p>
               <a:p>
                 <a:pPr lvl="1"/>
                 <a:r>
                   <a:rPr lang="en-GB" dirty="0"/>
-                  <a:t>The basis coefficients </a:t>
+                  <a:t>The </a:t>
+                </a:r>
+                <a:r>
+                  <a:rPr lang="en-GB" b="1" dirty="0"/>
+                  <a:t>basis coefficients </a:t>
                 </a:r>
                 <a14:m>
                   <m:oMath xmlns:m="http://schemas.openxmlformats.org/officeDocument/2006/math">
@@ -19423,7 +20312,15 @@
                 </a14:m>
                 <a:r>
                   <a:rPr lang="en-GB" dirty="0"/>
-                  <a:t> are called the called the functional principal component scores (FPC scores)</a:t>
+                  <a:t> are called the called the </a:t>
+                </a:r>
+                <a:r>
+                  <a:rPr lang="en-GB" b="1" dirty="0"/>
+                  <a:t>functional principal component scores (FPC scores)</a:t>
+                </a:r>
+                <a:r>
+                  <a:rPr lang="en-GB" dirty="0"/>
+                  <a:t>.</a:t>
                 </a:r>
               </a:p>
               <a:p>
@@ -19449,7 +20346,7 @@
                 </a14:m>
                 <a:r>
                   <a:rPr lang="en-GB" dirty="0"/>
-                  <a:t> explains a large amount of variability in the functional data </a:t>
+                  <a:t> explain a large amount of variability in the functional data </a:t>
                 </a:r>
                 <a14:m>
                   <m:oMath xmlns:m="http://schemas.openxmlformats.org/officeDocument/2006/math">
@@ -19519,6 +20416,281 @@
   <p:clrMapOvr>
     <a:masterClrMapping/>
   </p:clrMapOvr>
+  <p:timing>
+    <p:tnLst>
+      <p:par>
+        <p:cTn id="1" dur="indefinite" restart="never" nodeType="tmRoot">
+          <p:childTnLst>
+            <p:seq concurrent="1" nextAc="seek">
+              <p:cTn id="2" dur="indefinite" nodeType="mainSeq">
+                <p:childTnLst>
+                  <p:par>
+                    <p:cTn id="3" fill="hold">
+                      <p:stCondLst>
+                        <p:cond delay="indefinite"/>
+                      </p:stCondLst>
+                      <p:childTnLst>
+                        <p:par>
+                          <p:cTn id="4" fill="hold">
+                            <p:stCondLst>
+                              <p:cond delay="0"/>
+                            </p:stCondLst>
+                            <p:childTnLst>
+                              <p:par>
+                                <p:cTn id="5" presetID="1" presetClass="entr" presetSubtype="0" fill="hold" nodeType="clickEffect">
+                                  <p:stCondLst>
+                                    <p:cond delay="0"/>
+                                  </p:stCondLst>
+                                  <p:childTnLst>
+                                    <p:set>
+                                      <p:cBhvr>
+                                        <p:cTn id="6" dur="1" fill="hold">
+                                          <p:stCondLst>
+                                            <p:cond delay="0"/>
+                                          </p:stCondLst>
+                                        </p:cTn>
+                                        <p:tgtEl>
+                                          <p:spTgt spid="3">
+                                            <p:txEl>
+                                              <p:pRg st="0" end="0"/>
+                                            </p:txEl>
+                                          </p:spTgt>
+                                        </p:tgtEl>
+                                        <p:attrNameLst>
+                                          <p:attrName>style.visibility</p:attrName>
+                                        </p:attrNameLst>
+                                      </p:cBhvr>
+                                      <p:to>
+                                        <p:strVal val="visible"/>
+                                      </p:to>
+                                    </p:set>
+                                  </p:childTnLst>
+                                </p:cTn>
+                              </p:par>
+                            </p:childTnLst>
+                          </p:cTn>
+                        </p:par>
+                      </p:childTnLst>
+                    </p:cTn>
+                  </p:par>
+                  <p:par>
+                    <p:cTn id="7" fill="hold">
+                      <p:stCondLst>
+                        <p:cond delay="indefinite"/>
+                      </p:stCondLst>
+                      <p:childTnLst>
+                        <p:par>
+                          <p:cTn id="8" fill="hold">
+                            <p:stCondLst>
+                              <p:cond delay="0"/>
+                            </p:stCondLst>
+                            <p:childTnLst>
+                              <p:par>
+                                <p:cTn id="9" presetID="1" presetClass="entr" presetSubtype="0" fill="hold" nodeType="clickEffect">
+                                  <p:stCondLst>
+                                    <p:cond delay="0"/>
+                                  </p:stCondLst>
+                                  <p:childTnLst>
+                                    <p:set>
+                                      <p:cBhvr>
+                                        <p:cTn id="10" dur="1" fill="hold">
+                                          <p:stCondLst>
+                                            <p:cond delay="0"/>
+                                          </p:stCondLst>
+                                        </p:cTn>
+                                        <p:tgtEl>
+                                          <p:spTgt spid="3">
+                                            <p:txEl>
+                                              <p:pRg st="1" end="1"/>
+                                            </p:txEl>
+                                          </p:spTgt>
+                                        </p:tgtEl>
+                                        <p:attrNameLst>
+                                          <p:attrName>style.visibility</p:attrName>
+                                        </p:attrNameLst>
+                                      </p:cBhvr>
+                                      <p:to>
+                                        <p:strVal val="visible"/>
+                                      </p:to>
+                                    </p:set>
+                                  </p:childTnLst>
+                                </p:cTn>
+                              </p:par>
+                            </p:childTnLst>
+                          </p:cTn>
+                        </p:par>
+                      </p:childTnLst>
+                    </p:cTn>
+                  </p:par>
+                  <p:par>
+                    <p:cTn id="11" fill="hold">
+                      <p:stCondLst>
+                        <p:cond delay="indefinite"/>
+                      </p:stCondLst>
+                      <p:childTnLst>
+                        <p:par>
+                          <p:cTn id="12" fill="hold">
+                            <p:stCondLst>
+                              <p:cond delay="0"/>
+                            </p:stCondLst>
+                            <p:childTnLst>
+                              <p:par>
+                                <p:cTn id="13" presetID="1" presetClass="entr" presetSubtype="0" fill="hold" nodeType="clickEffect">
+                                  <p:stCondLst>
+                                    <p:cond delay="0"/>
+                                  </p:stCondLst>
+                                  <p:childTnLst>
+                                    <p:set>
+                                      <p:cBhvr>
+                                        <p:cTn id="14" dur="1" fill="hold">
+                                          <p:stCondLst>
+                                            <p:cond delay="0"/>
+                                          </p:stCondLst>
+                                        </p:cTn>
+                                        <p:tgtEl>
+                                          <p:spTgt spid="3">
+                                            <p:txEl>
+                                              <p:pRg st="2" end="2"/>
+                                            </p:txEl>
+                                          </p:spTgt>
+                                        </p:tgtEl>
+                                        <p:attrNameLst>
+                                          <p:attrName>style.visibility</p:attrName>
+                                        </p:attrNameLst>
+                                      </p:cBhvr>
+                                      <p:to>
+                                        <p:strVal val="visible"/>
+                                      </p:to>
+                                    </p:set>
+                                  </p:childTnLst>
+                                </p:cTn>
+                              </p:par>
+                            </p:childTnLst>
+                          </p:cTn>
+                        </p:par>
+                      </p:childTnLst>
+                    </p:cTn>
+                  </p:par>
+                  <p:par>
+                    <p:cTn id="15" fill="hold">
+                      <p:stCondLst>
+                        <p:cond delay="indefinite"/>
+                      </p:stCondLst>
+                      <p:childTnLst>
+                        <p:par>
+                          <p:cTn id="16" fill="hold">
+                            <p:stCondLst>
+                              <p:cond delay="0"/>
+                            </p:stCondLst>
+                            <p:childTnLst>
+                              <p:par>
+                                <p:cTn id="17" presetID="1" presetClass="entr" presetSubtype="0" fill="hold" nodeType="clickEffect">
+                                  <p:stCondLst>
+                                    <p:cond delay="0"/>
+                                  </p:stCondLst>
+                                  <p:childTnLst>
+                                    <p:set>
+                                      <p:cBhvr>
+                                        <p:cTn id="18" dur="1" fill="hold">
+                                          <p:stCondLst>
+                                            <p:cond delay="0"/>
+                                          </p:stCondLst>
+                                        </p:cTn>
+                                        <p:tgtEl>
+                                          <p:spTgt spid="3">
+                                            <p:txEl>
+                                              <p:pRg st="3" end="3"/>
+                                            </p:txEl>
+                                          </p:spTgt>
+                                        </p:tgtEl>
+                                        <p:attrNameLst>
+                                          <p:attrName>style.visibility</p:attrName>
+                                        </p:attrNameLst>
+                                      </p:cBhvr>
+                                      <p:to>
+                                        <p:strVal val="visible"/>
+                                      </p:to>
+                                    </p:set>
+                                  </p:childTnLst>
+                                </p:cTn>
+                              </p:par>
+                            </p:childTnLst>
+                          </p:cTn>
+                        </p:par>
+                      </p:childTnLst>
+                    </p:cTn>
+                  </p:par>
+                  <p:par>
+                    <p:cTn id="19" fill="hold">
+                      <p:stCondLst>
+                        <p:cond delay="indefinite"/>
+                      </p:stCondLst>
+                      <p:childTnLst>
+                        <p:par>
+                          <p:cTn id="20" fill="hold">
+                            <p:stCondLst>
+                              <p:cond delay="0"/>
+                            </p:stCondLst>
+                            <p:childTnLst>
+                              <p:par>
+                                <p:cTn id="21" presetID="1" presetClass="entr" presetSubtype="0" fill="hold" nodeType="clickEffect">
+                                  <p:stCondLst>
+                                    <p:cond delay="0"/>
+                                  </p:stCondLst>
+                                  <p:childTnLst>
+                                    <p:set>
+                                      <p:cBhvr>
+                                        <p:cTn id="22" dur="1" fill="hold">
+                                          <p:stCondLst>
+                                            <p:cond delay="0"/>
+                                          </p:stCondLst>
+                                        </p:cTn>
+                                        <p:tgtEl>
+                                          <p:spTgt spid="3">
+                                            <p:txEl>
+                                              <p:pRg st="4" end="4"/>
+                                            </p:txEl>
+                                          </p:spTgt>
+                                        </p:tgtEl>
+                                        <p:attrNameLst>
+                                          <p:attrName>style.visibility</p:attrName>
+                                        </p:attrNameLst>
+                                      </p:cBhvr>
+                                      <p:to>
+                                        <p:strVal val="visible"/>
+                                      </p:to>
+                                    </p:set>
+                                  </p:childTnLst>
+                                </p:cTn>
+                              </p:par>
+                            </p:childTnLst>
+                          </p:cTn>
+                        </p:par>
+                      </p:childTnLst>
+                    </p:cTn>
+                  </p:par>
+                </p:childTnLst>
+              </p:cTn>
+              <p:prevCondLst>
+                <p:cond evt="onPrev" delay="0">
+                  <p:tgtEl>
+                    <p:sldTgt/>
+                  </p:tgtEl>
+                </p:cond>
+              </p:prevCondLst>
+              <p:nextCondLst>
+                <p:cond evt="onNext" delay="0">
+                  <p:tgtEl>
+                    <p:sldTgt/>
+                  </p:tgtEl>
+                </p:cond>
+              </p:nextCondLst>
+            </p:seq>
+          </p:childTnLst>
+        </p:cTn>
+      </p:par>
+    </p:tnLst>
+  </p:timing>
 </p:sld>
 </file>
 
@@ -19567,8 +20739,8 @@
           </a:p>
         </p:txBody>
       </p:sp>
-      <mc:AlternateContent xmlns:mc="http://schemas.openxmlformats.org/markup-compatibility/2006">
-        <mc:Choice xmlns:a14="http://schemas.microsoft.com/office/drawing/2010/main" Requires="a14">
+      <mc:AlternateContent xmlns:mc="http://schemas.openxmlformats.org/markup-compatibility/2006" xmlns:a14="http://schemas.microsoft.com/office/drawing/2010/main">
+        <mc:Choice Requires="a14">
           <p:sp>
             <p:nvSpPr>
               <p:cNvPr id="3" name="Content Placeholder 2">
@@ -20027,7 +21199,7 @@
             </p:txBody>
           </p:sp>
         </mc:Choice>
-        <mc:Fallback>
+        <mc:Fallback xmlns="">
           <p:sp>
             <p:nvSpPr>
               <p:cNvPr id="3" name="Content Placeholder 2">
@@ -20101,6 +21273,110 @@
           </a:prstGeom>
         </p:spPr>
       </p:pic>
+      <p:sp>
+        <p:nvSpPr>
+          <p:cNvPr id="4" name="Rectangle 3">
+            <a:extLst>
+              <a:ext uri="{FF2B5EF4-FFF2-40B4-BE49-F238E27FC236}">
+                <a16:creationId xmlns:a16="http://schemas.microsoft.com/office/drawing/2014/main" id="{E7C44A91-571C-9C82-1255-5908671A4929}"/>
+              </a:ext>
+            </a:extLst>
+          </p:cNvPr>
+          <p:cNvSpPr/>
+          <p:nvPr/>
+        </p:nvSpPr>
+        <p:spPr>
+          <a:xfrm>
+            <a:off x="2032000" y="3094349"/>
+            <a:ext cx="3251200" cy="3488418"/>
+          </a:xfrm>
+          <a:prstGeom prst="rect">
+            <a:avLst/>
+          </a:prstGeom>
+          <a:solidFill>
+            <a:schemeClr val="bg1"/>
+          </a:solidFill>
+          <a:ln>
+            <a:noFill/>
+          </a:ln>
+        </p:spPr>
+        <p:style>
+          <a:lnRef idx="2">
+            <a:schemeClr val="accent1">
+              <a:shade val="15000"/>
+            </a:schemeClr>
+          </a:lnRef>
+          <a:fillRef idx="1">
+            <a:schemeClr val="accent1"/>
+          </a:fillRef>
+          <a:effectRef idx="0">
+            <a:schemeClr val="accent1"/>
+          </a:effectRef>
+          <a:fontRef idx="minor">
+            <a:schemeClr val="lt1"/>
+          </a:fontRef>
+        </p:style>
+        <p:txBody>
+          <a:bodyPr rtlCol="0" anchor="ctr"/>
+          <a:lstStyle/>
+          <a:p>
+            <a:pPr algn="ctr"/>
+            <a:endParaRPr lang="en-GB"/>
+          </a:p>
+        </p:txBody>
+      </p:sp>
+      <p:sp>
+        <p:nvSpPr>
+          <p:cNvPr id="6" name="Rectangle 5">
+            <a:extLst>
+              <a:ext uri="{FF2B5EF4-FFF2-40B4-BE49-F238E27FC236}">
+                <a16:creationId xmlns:a16="http://schemas.microsoft.com/office/drawing/2014/main" id="{A177D58C-8811-C8A7-AC5A-C71E27B46B99}"/>
+              </a:ext>
+            </a:extLst>
+          </p:cNvPr>
+          <p:cNvSpPr/>
+          <p:nvPr/>
+        </p:nvSpPr>
+        <p:spPr>
+          <a:xfrm>
+            <a:off x="5283200" y="3094349"/>
+            <a:ext cx="4978400" cy="3488418"/>
+          </a:xfrm>
+          <a:prstGeom prst="rect">
+            <a:avLst/>
+          </a:prstGeom>
+          <a:solidFill>
+            <a:schemeClr val="bg1"/>
+          </a:solidFill>
+          <a:ln>
+            <a:noFill/>
+          </a:ln>
+        </p:spPr>
+        <p:style>
+          <a:lnRef idx="2">
+            <a:schemeClr val="accent1">
+              <a:shade val="15000"/>
+            </a:schemeClr>
+          </a:lnRef>
+          <a:fillRef idx="1">
+            <a:schemeClr val="accent1"/>
+          </a:fillRef>
+          <a:effectRef idx="0">
+            <a:schemeClr val="accent1"/>
+          </a:effectRef>
+          <a:fontRef idx="minor">
+            <a:schemeClr val="lt1"/>
+          </a:fontRef>
+        </p:style>
+        <p:txBody>
+          <a:bodyPr rtlCol="0" anchor="ctr"/>
+          <a:lstStyle/>
+          <a:p>
+            <a:pPr algn="ctr"/>
+            <a:endParaRPr lang="en-GB"/>
+          </a:p>
+        </p:txBody>
+      </p:sp>
     </p:spTree>
     <p:extLst>
       <p:ext uri="{BB962C8B-B14F-4D97-AF65-F5344CB8AC3E}">
@@ -20111,6 +21387,259 @@
   <p:clrMapOvr>
     <a:masterClrMapping/>
   </p:clrMapOvr>
+  <p:timing>
+    <p:tnLst>
+      <p:par>
+        <p:cTn id="1" dur="indefinite" restart="never" nodeType="tmRoot">
+          <p:childTnLst>
+            <p:seq concurrent="1" nextAc="seek">
+              <p:cTn id="2" dur="indefinite" nodeType="mainSeq">
+                <p:childTnLst>
+                  <p:par>
+                    <p:cTn id="3" fill="hold">
+                      <p:stCondLst>
+                        <p:cond delay="indefinite"/>
+                      </p:stCondLst>
+                      <p:childTnLst>
+                        <p:par>
+                          <p:cTn id="4" fill="hold">
+                            <p:stCondLst>
+                              <p:cond delay="0"/>
+                            </p:stCondLst>
+                            <p:childTnLst>
+                              <p:par>
+                                <p:cTn id="5" presetID="1" presetClass="entr" presetSubtype="0" fill="hold" nodeType="clickEffect">
+                                  <p:stCondLst>
+                                    <p:cond delay="0"/>
+                                  </p:stCondLst>
+                                  <p:childTnLst>
+                                    <p:set>
+                                      <p:cBhvr>
+                                        <p:cTn id="6" dur="1" fill="hold">
+                                          <p:stCondLst>
+                                            <p:cond delay="0"/>
+                                          </p:stCondLst>
+                                        </p:cTn>
+                                        <p:tgtEl>
+                                          <p:spTgt spid="3">
+                                            <p:txEl>
+                                              <p:pRg st="0" end="0"/>
+                                            </p:txEl>
+                                          </p:spTgt>
+                                        </p:tgtEl>
+                                        <p:attrNameLst>
+                                          <p:attrName>style.visibility</p:attrName>
+                                        </p:attrNameLst>
+                                      </p:cBhvr>
+                                      <p:to>
+                                        <p:strVal val="visible"/>
+                                      </p:to>
+                                    </p:set>
+                                  </p:childTnLst>
+                                </p:cTn>
+                              </p:par>
+                            </p:childTnLst>
+                          </p:cTn>
+                        </p:par>
+                      </p:childTnLst>
+                    </p:cTn>
+                  </p:par>
+                  <p:par>
+                    <p:cTn id="7" fill="hold">
+                      <p:stCondLst>
+                        <p:cond delay="indefinite"/>
+                      </p:stCondLst>
+                      <p:childTnLst>
+                        <p:par>
+                          <p:cTn id="8" fill="hold">
+                            <p:stCondLst>
+                              <p:cond delay="0"/>
+                            </p:stCondLst>
+                            <p:childTnLst>
+                              <p:par>
+                                <p:cTn id="9" presetID="1" presetClass="exit" presetSubtype="0" fill="hold" grpId="0" nodeType="clickEffect">
+                                  <p:stCondLst>
+                                    <p:cond delay="0"/>
+                                  </p:stCondLst>
+                                  <p:childTnLst>
+                                    <p:set>
+                                      <p:cBhvr>
+                                        <p:cTn id="10" dur="1" fill="hold">
+                                          <p:stCondLst>
+                                            <p:cond delay="0"/>
+                                          </p:stCondLst>
+                                        </p:cTn>
+                                        <p:tgtEl>
+                                          <p:spTgt spid="4"/>
+                                        </p:tgtEl>
+                                        <p:attrNameLst>
+                                          <p:attrName>style.visibility</p:attrName>
+                                        </p:attrNameLst>
+                                      </p:cBhvr>
+                                      <p:to>
+                                        <p:strVal val="hidden"/>
+                                      </p:to>
+                                    </p:set>
+                                  </p:childTnLst>
+                                </p:cTn>
+                              </p:par>
+                            </p:childTnLst>
+                          </p:cTn>
+                        </p:par>
+                      </p:childTnLst>
+                    </p:cTn>
+                  </p:par>
+                  <p:par>
+                    <p:cTn id="11" fill="hold">
+                      <p:stCondLst>
+                        <p:cond delay="indefinite"/>
+                      </p:stCondLst>
+                      <p:childTnLst>
+                        <p:par>
+                          <p:cTn id="12" fill="hold">
+                            <p:stCondLst>
+                              <p:cond delay="0"/>
+                            </p:stCondLst>
+                            <p:childTnLst>
+                              <p:par>
+                                <p:cTn id="13" presetID="1" presetClass="entr" presetSubtype="0" fill="hold" nodeType="clickEffect">
+                                  <p:stCondLst>
+                                    <p:cond delay="0"/>
+                                  </p:stCondLst>
+                                  <p:childTnLst>
+                                    <p:set>
+                                      <p:cBhvr>
+                                        <p:cTn id="14" dur="1" fill="hold">
+                                          <p:stCondLst>
+                                            <p:cond delay="0"/>
+                                          </p:stCondLst>
+                                        </p:cTn>
+                                        <p:tgtEl>
+                                          <p:spTgt spid="3">
+                                            <p:txEl>
+                                              <p:pRg st="1" end="1"/>
+                                            </p:txEl>
+                                          </p:spTgt>
+                                        </p:tgtEl>
+                                        <p:attrNameLst>
+                                          <p:attrName>style.visibility</p:attrName>
+                                        </p:attrNameLst>
+                                      </p:cBhvr>
+                                      <p:to>
+                                        <p:strVal val="visible"/>
+                                      </p:to>
+                                    </p:set>
+                                  </p:childTnLst>
+                                </p:cTn>
+                              </p:par>
+                              <p:par>
+                                <p:cTn id="15" presetID="1" presetClass="entr" presetSubtype="0" fill="hold" nodeType="withEffect">
+                                  <p:stCondLst>
+                                    <p:cond delay="0"/>
+                                  </p:stCondLst>
+                                  <p:childTnLst>
+                                    <p:set>
+                                      <p:cBhvr>
+                                        <p:cTn id="16" dur="1" fill="hold">
+                                          <p:stCondLst>
+                                            <p:cond delay="0"/>
+                                          </p:stCondLst>
+                                        </p:cTn>
+                                        <p:tgtEl>
+                                          <p:spTgt spid="3">
+                                            <p:txEl>
+                                              <p:pRg st="2" end="2"/>
+                                            </p:txEl>
+                                          </p:spTgt>
+                                        </p:tgtEl>
+                                        <p:attrNameLst>
+                                          <p:attrName>style.visibility</p:attrName>
+                                        </p:attrNameLst>
+                                      </p:cBhvr>
+                                      <p:to>
+                                        <p:strVal val="visible"/>
+                                      </p:to>
+                                    </p:set>
+                                  </p:childTnLst>
+                                </p:cTn>
+                              </p:par>
+                            </p:childTnLst>
+                          </p:cTn>
+                        </p:par>
+                      </p:childTnLst>
+                    </p:cTn>
+                  </p:par>
+                  <p:par>
+                    <p:cTn id="17" fill="hold">
+                      <p:stCondLst>
+                        <p:cond delay="indefinite"/>
+                      </p:stCondLst>
+                      <p:childTnLst>
+                        <p:par>
+                          <p:cTn id="18" fill="hold">
+                            <p:stCondLst>
+                              <p:cond delay="0"/>
+                            </p:stCondLst>
+                            <p:childTnLst>
+                              <p:par>
+                                <p:cTn id="19" presetID="1" presetClass="exit" presetSubtype="0" fill="hold" grpId="0" nodeType="clickEffect">
+                                  <p:stCondLst>
+                                    <p:cond delay="0"/>
+                                  </p:stCondLst>
+                                  <p:childTnLst>
+                                    <p:set>
+                                      <p:cBhvr>
+                                        <p:cTn id="20" dur="1" fill="hold">
+                                          <p:stCondLst>
+                                            <p:cond delay="0"/>
+                                          </p:stCondLst>
+                                        </p:cTn>
+                                        <p:tgtEl>
+                                          <p:spTgt spid="6"/>
+                                        </p:tgtEl>
+                                        <p:attrNameLst>
+                                          <p:attrName>style.visibility</p:attrName>
+                                        </p:attrNameLst>
+                                      </p:cBhvr>
+                                      <p:to>
+                                        <p:strVal val="hidden"/>
+                                      </p:to>
+                                    </p:set>
+                                  </p:childTnLst>
+                                </p:cTn>
+                              </p:par>
+                            </p:childTnLst>
+                          </p:cTn>
+                        </p:par>
+                      </p:childTnLst>
+                    </p:cTn>
+                  </p:par>
+                </p:childTnLst>
+              </p:cTn>
+              <p:prevCondLst>
+                <p:cond evt="onPrev" delay="0">
+                  <p:tgtEl>
+                    <p:sldTgt/>
+                  </p:tgtEl>
+                </p:cond>
+              </p:prevCondLst>
+              <p:nextCondLst>
+                <p:cond evt="onNext" delay="0">
+                  <p:tgtEl>
+                    <p:sldTgt/>
+                  </p:tgtEl>
+                </p:cond>
+              </p:nextCondLst>
+            </p:seq>
+          </p:childTnLst>
+        </p:cTn>
+      </p:par>
+    </p:tnLst>
+    <p:bldLst>
+      <p:bldP spid="4" grpId="0" animBg="1"/>
+      <p:bldP spid="6" grpId="0" animBg="1"/>
+    </p:bldLst>
+  </p:timing>
 </p:sld>
 </file>
 
@@ -20364,7 +21893,7 @@
                 </a14:m>
                 <a:r>
                   <a:rPr lang="en-IE" dirty="0"/>
-                  <a:t>hey are functions defined on the same domain as the data!</a:t>
+                  <a:t>hey are functions defined on the same domain as the data.</a:t>
                 </a:r>
               </a:p>
               <a:p>
@@ -20491,13 +22020,21 @@
                 </a:r>
                 <a:r>
                   <a:rPr lang="en-GB" dirty="0"/>
-                  <a:t>they explain -- FPC1 most important…</a:t>
+                  <a:t>they explain -- FPC1 most important, FPC2 second-most…</a:t>
                 </a:r>
               </a:p>
               <a:p>
                 <a:r>
                   <a:rPr lang="en-GB" dirty="0"/>
-                  <a:t>The FPC scores are obtained by </a:t>
+                  <a:t>The </a:t>
+                </a:r>
+                <a:r>
+                  <a:rPr lang="en-GB" b="1" u="sng" dirty="0"/>
+                  <a:t>FPC scores </a:t>
+                </a:r>
+                <a:r>
+                  <a:rPr lang="en-GB" dirty="0"/>
+                  <a:t>are obtained by </a:t>
                 </a:r>
                 <a14:m>
                   <m:oMath xmlns:m="http://schemas.openxmlformats.org/officeDocument/2006/math">
@@ -20689,7 +22226,15 @@
               <a:p>
                 <a:r>
                   <a:rPr lang="en-GB" dirty="0"/>
-                  <a:t>The scores have mean </a:t>
+                  <a:t>The </a:t>
+                </a:r>
+                <a:r>
+                  <a:rPr lang="en-GB" b="1" u="sng" dirty="0"/>
+                  <a:t>FPC scores</a:t>
+                </a:r>
+                <a:r>
+                  <a:rPr lang="en-GB" dirty="0"/>
+                  <a:t> have mean </a:t>
                 </a:r>
                 <a14:m>
                   <m:oMath xmlns:m="http://schemas.openxmlformats.org/officeDocument/2006/math">
@@ -20765,6 +22310,232 @@
   <p:clrMapOvr>
     <a:masterClrMapping/>
   </p:clrMapOvr>
+  <p:timing>
+    <p:tnLst>
+      <p:par>
+        <p:cTn id="1" dur="indefinite" restart="never" nodeType="tmRoot">
+          <p:childTnLst>
+            <p:seq concurrent="1" nextAc="seek">
+              <p:cTn id="2" dur="indefinite" nodeType="mainSeq">
+                <p:childTnLst>
+                  <p:par>
+                    <p:cTn id="3" fill="hold">
+                      <p:stCondLst>
+                        <p:cond delay="indefinite"/>
+                      </p:stCondLst>
+                      <p:childTnLst>
+                        <p:par>
+                          <p:cTn id="4" fill="hold">
+                            <p:stCondLst>
+                              <p:cond delay="0"/>
+                            </p:stCondLst>
+                            <p:childTnLst>
+                              <p:par>
+                                <p:cTn id="5" presetID="1" presetClass="entr" presetSubtype="0" fill="hold" nodeType="clickEffect">
+                                  <p:stCondLst>
+                                    <p:cond delay="0"/>
+                                  </p:stCondLst>
+                                  <p:childTnLst>
+                                    <p:set>
+                                      <p:cBhvr>
+                                        <p:cTn id="6" dur="1" fill="hold">
+                                          <p:stCondLst>
+                                            <p:cond delay="0"/>
+                                          </p:stCondLst>
+                                        </p:cTn>
+                                        <p:tgtEl>
+                                          <p:spTgt spid="3">
+                                            <p:txEl>
+                                              <p:pRg st="0" end="0"/>
+                                            </p:txEl>
+                                          </p:spTgt>
+                                        </p:tgtEl>
+                                        <p:attrNameLst>
+                                          <p:attrName>style.visibility</p:attrName>
+                                        </p:attrNameLst>
+                                      </p:cBhvr>
+                                      <p:to>
+                                        <p:strVal val="visible"/>
+                                      </p:to>
+                                    </p:set>
+                                  </p:childTnLst>
+                                </p:cTn>
+                              </p:par>
+                            </p:childTnLst>
+                          </p:cTn>
+                        </p:par>
+                      </p:childTnLst>
+                    </p:cTn>
+                  </p:par>
+                  <p:par>
+                    <p:cTn id="7" fill="hold">
+                      <p:stCondLst>
+                        <p:cond delay="indefinite"/>
+                      </p:stCondLst>
+                      <p:childTnLst>
+                        <p:par>
+                          <p:cTn id="8" fill="hold">
+                            <p:stCondLst>
+                              <p:cond delay="0"/>
+                            </p:stCondLst>
+                            <p:childTnLst>
+                              <p:par>
+                                <p:cTn id="9" presetID="1" presetClass="entr" presetSubtype="0" fill="hold" nodeType="clickEffect">
+                                  <p:stCondLst>
+                                    <p:cond delay="0"/>
+                                  </p:stCondLst>
+                                  <p:childTnLst>
+                                    <p:set>
+                                      <p:cBhvr>
+                                        <p:cTn id="10" dur="1" fill="hold">
+                                          <p:stCondLst>
+                                            <p:cond delay="0"/>
+                                          </p:stCondLst>
+                                        </p:cTn>
+                                        <p:tgtEl>
+                                          <p:spTgt spid="3">
+                                            <p:txEl>
+                                              <p:pRg st="1" end="1"/>
+                                            </p:txEl>
+                                          </p:spTgt>
+                                        </p:tgtEl>
+                                        <p:attrNameLst>
+                                          <p:attrName>style.visibility</p:attrName>
+                                        </p:attrNameLst>
+                                      </p:cBhvr>
+                                      <p:to>
+                                        <p:strVal val="visible"/>
+                                      </p:to>
+                                    </p:set>
+                                  </p:childTnLst>
+                                </p:cTn>
+                              </p:par>
+                            </p:childTnLst>
+                          </p:cTn>
+                        </p:par>
+                      </p:childTnLst>
+                    </p:cTn>
+                  </p:par>
+                  <p:par>
+                    <p:cTn id="11" fill="hold">
+                      <p:stCondLst>
+                        <p:cond delay="indefinite"/>
+                      </p:stCondLst>
+                      <p:childTnLst>
+                        <p:par>
+                          <p:cTn id="12" fill="hold">
+                            <p:stCondLst>
+                              <p:cond delay="0"/>
+                            </p:stCondLst>
+                            <p:childTnLst>
+                              <p:par>
+                                <p:cTn id="13" presetID="1" presetClass="entr" presetSubtype="0" fill="hold" nodeType="clickEffect">
+                                  <p:stCondLst>
+                                    <p:cond delay="0"/>
+                                  </p:stCondLst>
+                                  <p:childTnLst>
+                                    <p:set>
+                                      <p:cBhvr>
+                                        <p:cTn id="14" dur="1" fill="hold">
+                                          <p:stCondLst>
+                                            <p:cond delay="0"/>
+                                          </p:stCondLst>
+                                        </p:cTn>
+                                        <p:tgtEl>
+                                          <p:spTgt spid="3">
+                                            <p:txEl>
+                                              <p:pRg st="2" end="2"/>
+                                            </p:txEl>
+                                          </p:spTgt>
+                                        </p:tgtEl>
+                                        <p:attrNameLst>
+                                          <p:attrName>style.visibility</p:attrName>
+                                        </p:attrNameLst>
+                                      </p:cBhvr>
+                                      <p:to>
+                                        <p:strVal val="visible"/>
+                                      </p:to>
+                                    </p:set>
+                                  </p:childTnLst>
+                                </p:cTn>
+                              </p:par>
+                            </p:childTnLst>
+                          </p:cTn>
+                        </p:par>
+                      </p:childTnLst>
+                    </p:cTn>
+                  </p:par>
+                  <p:par>
+                    <p:cTn id="15" fill="hold">
+                      <p:stCondLst>
+                        <p:cond delay="indefinite"/>
+                      </p:stCondLst>
+                      <p:childTnLst>
+                        <p:par>
+                          <p:cTn id="16" fill="hold">
+                            <p:stCondLst>
+                              <p:cond delay="0"/>
+                            </p:stCondLst>
+                            <p:childTnLst>
+                              <p:par>
+                                <p:cTn id="17" presetID="1" presetClass="entr" presetSubtype="0" fill="hold" nodeType="clickEffect">
+                                  <p:stCondLst>
+                                    <p:cond delay="0"/>
+                                  </p:stCondLst>
+                                  <p:childTnLst>
+                                    <p:set>
+                                      <p:cBhvr>
+                                        <p:cTn id="18" dur="1" fill="hold">
+                                          <p:stCondLst>
+                                            <p:cond delay="0"/>
+                                          </p:stCondLst>
+                                        </p:cTn>
+                                        <p:tgtEl>
+                                          <p:spTgt spid="3">
+                                            <p:txEl>
+                                              <p:pRg st="3" end="3"/>
+                                            </p:txEl>
+                                          </p:spTgt>
+                                        </p:tgtEl>
+                                        <p:attrNameLst>
+                                          <p:attrName>style.visibility</p:attrName>
+                                        </p:attrNameLst>
+                                      </p:cBhvr>
+                                      <p:to>
+                                        <p:strVal val="visible"/>
+                                      </p:to>
+                                    </p:set>
+                                  </p:childTnLst>
+                                </p:cTn>
+                              </p:par>
+                            </p:childTnLst>
+                          </p:cTn>
+                        </p:par>
+                      </p:childTnLst>
+                    </p:cTn>
+                  </p:par>
+                </p:childTnLst>
+              </p:cTn>
+              <p:prevCondLst>
+                <p:cond evt="onPrev" delay="0">
+                  <p:tgtEl>
+                    <p:sldTgt/>
+                  </p:tgtEl>
+                </p:cond>
+              </p:prevCondLst>
+              <p:nextCondLst>
+                <p:cond evt="onNext" delay="0">
+                  <p:tgtEl>
+                    <p:sldTgt/>
+                  </p:tgtEl>
+                </p:cond>
+              </p:nextCondLst>
+            </p:seq>
+          </p:childTnLst>
+        </p:cTn>
+      </p:par>
+    </p:tnLst>
+  </p:timing>
 </p:sld>
 </file>
 
@@ -20813,8 +22584,8 @@
           </a:p>
         </p:txBody>
       </p:sp>
-      <mc:AlternateContent xmlns:mc="http://schemas.openxmlformats.org/markup-compatibility/2006">
-        <mc:Choice xmlns:a14="http://schemas.microsoft.com/office/drawing/2010/main" Requires="a14">
+      <mc:AlternateContent xmlns:mc="http://schemas.openxmlformats.org/markup-compatibility/2006" xmlns:a14="http://schemas.microsoft.com/office/drawing/2010/main">
+        <mc:Choice Requires="a14">
           <p:sp>
             <p:nvSpPr>
               <p:cNvPr id="3" name="Content Placeholder 2">
@@ -21193,7 +22964,7 @@
             </p:txBody>
           </p:sp>
         </mc:Choice>
-        <mc:Fallback>
+        <mc:Fallback xmlns="">
           <p:sp>
             <p:nvSpPr>
               <p:cNvPr id="3" name="Content Placeholder 2">
@@ -22301,8 +24072,8 @@
           </a:p>
         </p:txBody>
       </p:sp>
-      <mc:AlternateContent xmlns:mc="http://schemas.openxmlformats.org/markup-compatibility/2006">
-        <mc:Choice xmlns:a14="http://schemas.microsoft.com/office/drawing/2010/main" Requires="a14">
+      <mc:AlternateContent xmlns:mc="http://schemas.openxmlformats.org/markup-compatibility/2006" xmlns:a14="http://schemas.microsoft.com/office/drawing/2010/main">
+        <mc:Choice Requires="a14">
           <p:sp>
             <p:nvSpPr>
               <p:cNvPr id="6" name="TextBox 5">
@@ -22392,7 +24163,7 @@
             </p:txBody>
           </p:sp>
         </mc:Choice>
-        <mc:Fallback>
+        <mc:Fallback xmlns="">
           <p:sp>
             <p:nvSpPr>
               <p:cNvPr id="6" name="TextBox 5">
@@ -22486,8 +24257,8 @@
           </a:fontRef>
         </p:style>
       </p:cxnSp>
-      <mc:AlternateContent xmlns:mc="http://schemas.openxmlformats.org/markup-compatibility/2006">
-        <mc:Choice xmlns:a14="http://schemas.microsoft.com/office/drawing/2010/main" Requires="a14">
+      <mc:AlternateContent xmlns:mc="http://schemas.openxmlformats.org/markup-compatibility/2006" xmlns:a14="http://schemas.microsoft.com/office/drawing/2010/main">
+        <mc:Choice Requires="a14">
           <p:sp>
             <p:nvSpPr>
               <p:cNvPr id="9" name="TextBox 8">
@@ -22583,7 +24354,7 @@
             </p:txBody>
           </p:sp>
         </mc:Choice>
-        <mc:Fallback>
+        <mc:Fallback xmlns="">
           <p:sp>
             <p:nvSpPr>
               <p:cNvPr id="9" name="TextBox 8">
@@ -23197,7 +24968,7 @@
             </a:pPr>
             <a:r>
               <a:rPr lang="en-GB" dirty="0"/>
-              <a:t>Let’s look at some more real applications in sports biomechanics</a:t>
+              <a:t>Let’s look at another real application in sports biomechanics</a:t>
             </a:r>
           </a:p>
           <a:p>
@@ -23218,6 +24989,183 @@
   <p:clrMapOvr>
     <a:masterClrMapping/>
   </p:clrMapOvr>
+  <p:timing>
+    <p:tnLst>
+      <p:par>
+        <p:cTn id="1" dur="indefinite" restart="never" nodeType="tmRoot">
+          <p:childTnLst>
+            <p:seq concurrent="1" nextAc="seek">
+              <p:cTn id="2" dur="indefinite" nodeType="mainSeq">
+                <p:childTnLst>
+                  <p:par>
+                    <p:cTn id="3" fill="hold">
+                      <p:stCondLst>
+                        <p:cond delay="indefinite"/>
+                      </p:stCondLst>
+                      <p:childTnLst>
+                        <p:par>
+                          <p:cTn id="4" fill="hold">
+                            <p:stCondLst>
+                              <p:cond delay="0"/>
+                            </p:stCondLst>
+                            <p:childTnLst>
+                              <p:par>
+                                <p:cTn id="5" presetID="1" presetClass="entr" presetSubtype="0" fill="hold" nodeType="clickEffect">
+                                  <p:stCondLst>
+                                    <p:cond delay="0"/>
+                                  </p:stCondLst>
+                                  <p:childTnLst>
+                                    <p:set>
+                                      <p:cBhvr>
+                                        <p:cTn id="6" dur="1" fill="hold">
+                                          <p:stCondLst>
+                                            <p:cond delay="0"/>
+                                          </p:stCondLst>
+                                        </p:cTn>
+                                        <p:tgtEl>
+                                          <p:spTgt spid="3">
+                                            <p:txEl>
+                                              <p:pRg st="1" end="1"/>
+                                            </p:txEl>
+                                          </p:spTgt>
+                                        </p:tgtEl>
+                                        <p:attrNameLst>
+                                          <p:attrName>style.visibility</p:attrName>
+                                        </p:attrNameLst>
+                                      </p:cBhvr>
+                                      <p:to>
+                                        <p:strVal val="visible"/>
+                                      </p:to>
+                                    </p:set>
+                                  </p:childTnLst>
+                                </p:cTn>
+                              </p:par>
+                            </p:childTnLst>
+                          </p:cTn>
+                        </p:par>
+                      </p:childTnLst>
+                    </p:cTn>
+                  </p:par>
+                  <p:par>
+                    <p:cTn id="7" fill="hold">
+                      <p:stCondLst>
+                        <p:cond delay="indefinite"/>
+                      </p:stCondLst>
+                      <p:childTnLst>
+                        <p:par>
+                          <p:cTn id="8" fill="hold">
+                            <p:stCondLst>
+                              <p:cond delay="0"/>
+                            </p:stCondLst>
+                            <p:childTnLst>
+                              <p:par>
+                                <p:cTn id="9" presetID="1" presetClass="entr" presetSubtype="0" fill="hold" nodeType="clickEffect">
+                                  <p:stCondLst>
+                                    <p:cond delay="0"/>
+                                  </p:stCondLst>
+                                  <p:childTnLst>
+                                    <p:set>
+                                      <p:cBhvr>
+                                        <p:cTn id="10" dur="1" fill="hold">
+                                          <p:stCondLst>
+                                            <p:cond delay="0"/>
+                                          </p:stCondLst>
+                                        </p:cTn>
+                                        <p:tgtEl>
+                                          <p:spTgt spid="3">
+                                            <p:txEl>
+                                              <p:pRg st="2" end="2"/>
+                                            </p:txEl>
+                                          </p:spTgt>
+                                        </p:tgtEl>
+                                        <p:attrNameLst>
+                                          <p:attrName>style.visibility</p:attrName>
+                                        </p:attrNameLst>
+                                      </p:cBhvr>
+                                      <p:to>
+                                        <p:strVal val="visible"/>
+                                      </p:to>
+                                    </p:set>
+                                  </p:childTnLst>
+                                </p:cTn>
+                              </p:par>
+                            </p:childTnLst>
+                          </p:cTn>
+                        </p:par>
+                      </p:childTnLst>
+                    </p:cTn>
+                  </p:par>
+                  <p:par>
+                    <p:cTn id="11" fill="hold">
+                      <p:stCondLst>
+                        <p:cond delay="indefinite"/>
+                      </p:stCondLst>
+                      <p:childTnLst>
+                        <p:par>
+                          <p:cTn id="12" fill="hold">
+                            <p:stCondLst>
+                              <p:cond delay="0"/>
+                            </p:stCondLst>
+                            <p:childTnLst>
+                              <p:par>
+                                <p:cTn id="13" presetID="1" presetClass="entr" presetSubtype="0" fill="hold" nodeType="clickEffect">
+                                  <p:stCondLst>
+                                    <p:cond delay="0"/>
+                                  </p:stCondLst>
+                                  <p:childTnLst>
+                                    <p:set>
+                                      <p:cBhvr>
+                                        <p:cTn id="14" dur="1" fill="hold">
+                                          <p:stCondLst>
+                                            <p:cond delay="0"/>
+                                          </p:stCondLst>
+                                        </p:cTn>
+                                        <p:tgtEl>
+                                          <p:spTgt spid="3">
+                                            <p:txEl>
+                                              <p:pRg st="3" end="3"/>
+                                            </p:txEl>
+                                          </p:spTgt>
+                                        </p:tgtEl>
+                                        <p:attrNameLst>
+                                          <p:attrName>style.visibility</p:attrName>
+                                        </p:attrNameLst>
+                                      </p:cBhvr>
+                                      <p:to>
+                                        <p:strVal val="visible"/>
+                                      </p:to>
+                                    </p:set>
+                                  </p:childTnLst>
+                                </p:cTn>
+                              </p:par>
+                            </p:childTnLst>
+                          </p:cTn>
+                        </p:par>
+                      </p:childTnLst>
+                    </p:cTn>
+                  </p:par>
+                </p:childTnLst>
+              </p:cTn>
+              <p:prevCondLst>
+                <p:cond evt="onPrev" delay="0">
+                  <p:tgtEl>
+                    <p:sldTgt/>
+                  </p:tgtEl>
+                </p:cond>
+              </p:prevCondLst>
+              <p:nextCondLst>
+                <p:cond evt="onNext" delay="0">
+                  <p:tgtEl>
+                    <p:sldTgt/>
+                  </p:tgtEl>
+                </p:cond>
+              </p:nextCondLst>
+            </p:seq>
+          </p:childTnLst>
+        </p:cTn>
+      </p:par>
+    </p:tnLst>
+  </p:timing>
 </p:sld>
 </file>
 
